--- a/Token House Presentation.pptx
+++ b/Token House Presentation.pptx
@@ -250,11 +250,6 @@
       </a:defRPr>
     </a:lvl9pPr>
   </p:defaultTextStyle>
-  <p:extLst>
-    <p:ext uri="{EFAFB233-063F-42B5-8137-9DF3F51BA10A}">
-      <p15:sldGuideLst xmlns:p15="http://schemas.microsoft.com/office/powerpoint/2012/main"/>
-    </p:ext>
-  </p:extLst>
 </p:presentation>
 </file>
 
@@ -12613,7 +12608,7 @@
         </p:nvSpPr>
         <p:spPr>
           <a:xfrm>
-            <a:off x="7399786" y="807209"/>
+            <a:off x="7392489" y="850374"/>
             <a:ext cx="363071" cy="363070"/>
           </a:xfrm>
           <a:prstGeom prst="cube">
@@ -12659,8 +12654,8 @@
         </p:nvSpPr>
         <p:spPr>
           <a:xfrm>
-            <a:off x="6904592" y="494717"/>
-            <a:ext cx="256717" cy="233532"/>
+            <a:off x="6904592" y="494716"/>
+            <a:ext cx="256718" cy="276701"/>
           </a:xfrm>
           <a:prstGeom prst="cube">
             <a:avLst/>
@@ -12843,7 +12838,7 @@
         </p:nvSpPr>
         <p:spPr>
           <a:xfrm>
-            <a:off x="7970386" y="1334405"/>
+            <a:off x="8016755" y="1295770"/>
             <a:ext cx="242693" cy="233531"/>
           </a:xfrm>
           <a:prstGeom prst="cube">
@@ -12931,6 +12926,7 @@
             </a:extLst>
           </p:cNvPr>
           <p:cNvCxnSpPr>
+            <a:cxnSpLocks/>
             <a:stCxn id="6" idx="5"/>
             <a:endCxn id="7" idx="2"/>
           </p:cNvCxnSpPr>
@@ -12938,8 +12934,8 @@
         </p:nvCxnSpPr>
         <p:spPr>
           <a:xfrm flipV="1">
-            <a:off x="7161309" y="416348"/>
-            <a:ext cx="315256" cy="165944"/>
+            <a:off x="7161310" y="416348"/>
+            <a:ext cx="315255" cy="184629"/>
           </a:xfrm>
           <a:prstGeom prst="line">
             <a:avLst/>
@@ -12978,8 +12974,8 @@
         </p:nvCxnSpPr>
         <p:spPr>
           <a:xfrm>
-            <a:off x="7003759" y="728249"/>
-            <a:ext cx="23727" cy="650300"/>
+            <a:off x="7000861" y="771417"/>
+            <a:ext cx="26625" cy="607132"/>
           </a:xfrm>
           <a:prstGeom prst="line">
             <a:avLst/>
@@ -13056,9 +13052,9 @@
           <p:nvPr/>
         </p:nvCxnSpPr>
         <p:spPr>
-          <a:xfrm flipH="1">
-            <a:off x="8120924" y="819979"/>
-            <a:ext cx="9053" cy="514426"/>
+          <a:xfrm>
+            <a:off x="8129977" y="819979"/>
+            <a:ext cx="37316" cy="475791"/>
           </a:xfrm>
           <a:prstGeom prst="line">
             <a:avLst/>
@@ -13129,14 +13125,14 @@
           <p:cNvCxnSpPr>
             <a:cxnSpLocks/>
             <a:stCxn id="11" idx="5"/>
-            <a:endCxn id="10" idx="3"/>
+            <a:endCxn id="10" idx="2"/>
           </p:cNvCxnSpPr>
           <p:nvPr/>
         </p:nvCxnSpPr>
         <p:spPr>
           <a:xfrm flipV="1">
-            <a:off x="7710222" y="1567936"/>
-            <a:ext cx="352319" cy="142616"/>
+            <a:off x="7710222" y="1441727"/>
+            <a:ext cx="306533" cy="268825"/>
           </a:xfrm>
           <a:prstGeom prst="line">
             <a:avLst/>
@@ -13204,13 +13200,15 @@
               </a:ext>
             </a:extLst>
           </p:cNvPr>
-          <p:cNvCxnSpPr/>
+          <p:cNvCxnSpPr>
+            <a:cxnSpLocks/>
+          </p:cNvCxnSpPr>
           <p:nvPr/>
         </p:nvCxnSpPr>
         <p:spPr>
           <a:xfrm flipV="1">
-            <a:off x="7121503" y="1189733"/>
-            <a:ext cx="314721" cy="194315"/>
+            <a:off x="7121503" y="1213444"/>
+            <a:ext cx="249919" cy="170605"/>
           </a:xfrm>
           <a:prstGeom prst="line">
             <a:avLst/>
@@ -13248,8 +13246,8 @@
         </p:nvCxnSpPr>
         <p:spPr>
           <a:xfrm>
-            <a:off x="7607316" y="1152941"/>
-            <a:ext cx="455225" cy="239847"/>
+            <a:off x="7756590" y="1143960"/>
+            <a:ext cx="352320" cy="210193"/>
           </a:xfrm>
           <a:prstGeom prst="line">
             <a:avLst/>
@@ -13287,7 +13285,7 @@
         </p:nvCxnSpPr>
         <p:spPr>
           <a:xfrm flipV="1">
-            <a:off x="7762857" y="741880"/>
+            <a:off x="7755560" y="785045"/>
             <a:ext cx="309281" cy="201480"/>
           </a:xfrm>
           <a:prstGeom prst="line">
@@ -13358,15 +13356,15 @@
             </a:extLst>
           </p:cNvPr>
           <p:cNvCxnSpPr>
-            <a:stCxn id="5" idx="3"/>
+            <a:cxnSpLocks/>
             <a:endCxn id="11" idx="1"/>
           </p:cNvCxnSpPr>
           <p:nvPr/>
         </p:nvCxnSpPr>
         <p:spPr>
           <a:xfrm>
-            <a:off x="7535938" y="1170279"/>
-            <a:ext cx="31036" cy="513852"/>
+            <a:off x="7552588" y="1134219"/>
+            <a:ext cx="14386" cy="549912"/>
           </a:xfrm>
           <a:prstGeom prst="line">
             <a:avLst/>
